--- a/2024-2025/slides_pptx/6_functions_p2.pptx
+++ b/2024-2025/slides_pptx/6_functions_p2.pptx
@@ -20,8 +20,8 @@
     <p:sldId id="296" r:id="rId11"/>
     <p:sldId id="292" r:id="rId12"/>
     <p:sldId id="298" r:id="rId13"/>
-    <p:sldId id="303" r:id="rId14"/>
-    <p:sldId id="299" r:id="rId15"/>
+    <p:sldId id="299" r:id="rId14"/>
+    <p:sldId id="303" r:id="rId15"/>
     <p:sldId id="290" r:id="rId16"/>
   </p:sldIdLst>
   <p:sldSz cx="12192000" cy="6858000"/>
@@ -125,6 +125,9 @@
     <p:ext uri="{EFAFB233-063F-42B5-8137-9DF3F51BA10A}">
       <p15:sldGuideLst xmlns:p15="http://schemas.microsoft.com/office/powerpoint/2012/main"/>
     </p:ext>
+    <p:ext uri="{2D200454-40CA-4A62-9FC3-DE9A4176ACB9}">
+      <p15:notesGuideLst xmlns:p15="http://schemas.microsoft.com/office/powerpoint/2012/main"/>
+    </p:ext>
   </p:extLst>
 </p:presentation>
 </file>
@@ -223,7 +226,7 @@
           <a:p>
             <a:fld id="{85EF5437-F444-4613-A039-4AD69D91C86A}" type="datetimeFigureOut">
               <a:rPr lang="ru-RU" smtClean="0"/>
-              <a:t>04.11.2024</a:t>
+              <a:t>11.11.2024</a:t>
             </a:fld>
             <a:endParaRPr lang="ru-RU"/>
           </a:p>
@@ -900,7 +903,7 @@
     </p:spTree>
     <p:extLst>
       <p:ext uri="{BB962C8B-B14F-4D97-AF65-F5344CB8AC3E}">
-        <p14:creationId xmlns:p14="http://schemas.microsoft.com/office/powerpoint/2010/main" val="3812259980"/>
+        <p14:creationId xmlns:p14="http://schemas.microsoft.com/office/powerpoint/2010/main" val="3500786681"/>
       </p:ext>
     </p:extLst>
   </p:cSld>
@@ -984,7 +987,7 @@
     </p:spTree>
     <p:extLst>
       <p:ext uri="{BB962C8B-B14F-4D97-AF65-F5344CB8AC3E}">
-        <p14:creationId xmlns:p14="http://schemas.microsoft.com/office/powerpoint/2010/main" val="3500786681"/>
+        <p14:creationId xmlns:p14="http://schemas.microsoft.com/office/powerpoint/2010/main" val="3812259980"/>
       </p:ext>
     </p:extLst>
   </p:cSld>
@@ -1881,7 +1884,7 @@
           <a:p>
             <a:fld id="{58BF7D01-7D49-4F37-AA30-F04C65571A4A}" type="datetimeFigureOut">
               <a:rPr lang="ru-RU" smtClean="0"/>
-              <a:t>04.11.2024</a:t>
+              <a:t>11.11.2024</a:t>
             </a:fld>
             <a:endParaRPr lang="ru-RU"/>
           </a:p>
@@ -2051,7 +2054,7 @@
           <a:p>
             <a:fld id="{58BF7D01-7D49-4F37-AA30-F04C65571A4A}" type="datetimeFigureOut">
               <a:rPr lang="ru-RU" smtClean="0"/>
-              <a:t>04.11.2024</a:t>
+              <a:t>11.11.2024</a:t>
             </a:fld>
             <a:endParaRPr lang="ru-RU"/>
           </a:p>
@@ -2231,7 +2234,7 @@
           <a:p>
             <a:fld id="{58BF7D01-7D49-4F37-AA30-F04C65571A4A}" type="datetimeFigureOut">
               <a:rPr lang="ru-RU" smtClean="0"/>
-              <a:t>04.11.2024</a:t>
+              <a:t>11.11.2024</a:t>
             </a:fld>
             <a:endParaRPr lang="ru-RU"/>
           </a:p>
@@ -2401,7 +2404,7 @@
           <a:p>
             <a:fld id="{58BF7D01-7D49-4F37-AA30-F04C65571A4A}" type="datetimeFigureOut">
               <a:rPr lang="ru-RU" smtClean="0"/>
-              <a:t>04.11.2024</a:t>
+              <a:t>11.11.2024</a:t>
             </a:fld>
             <a:endParaRPr lang="ru-RU"/>
           </a:p>
@@ -2647,7 +2650,7 @@
           <a:p>
             <a:fld id="{58BF7D01-7D49-4F37-AA30-F04C65571A4A}" type="datetimeFigureOut">
               <a:rPr lang="ru-RU" smtClean="0"/>
-              <a:t>04.11.2024</a:t>
+              <a:t>11.11.2024</a:t>
             </a:fld>
             <a:endParaRPr lang="ru-RU"/>
           </a:p>
@@ -2879,7 +2882,7 @@
           <a:p>
             <a:fld id="{58BF7D01-7D49-4F37-AA30-F04C65571A4A}" type="datetimeFigureOut">
               <a:rPr lang="ru-RU" smtClean="0"/>
-              <a:t>04.11.2024</a:t>
+              <a:t>11.11.2024</a:t>
             </a:fld>
             <a:endParaRPr lang="ru-RU"/>
           </a:p>
@@ -3246,7 +3249,7 @@
           <a:p>
             <a:fld id="{58BF7D01-7D49-4F37-AA30-F04C65571A4A}" type="datetimeFigureOut">
               <a:rPr lang="ru-RU" smtClean="0"/>
-              <a:t>04.11.2024</a:t>
+              <a:t>11.11.2024</a:t>
             </a:fld>
             <a:endParaRPr lang="ru-RU"/>
           </a:p>
@@ -3364,7 +3367,7 @@
           <a:p>
             <a:fld id="{58BF7D01-7D49-4F37-AA30-F04C65571A4A}" type="datetimeFigureOut">
               <a:rPr lang="ru-RU" smtClean="0"/>
-              <a:t>04.11.2024</a:t>
+              <a:t>11.11.2024</a:t>
             </a:fld>
             <a:endParaRPr lang="ru-RU"/>
           </a:p>
@@ -3459,7 +3462,7 @@
           <a:p>
             <a:fld id="{58BF7D01-7D49-4F37-AA30-F04C65571A4A}" type="datetimeFigureOut">
               <a:rPr lang="ru-RU" smtClean="0"/>
-              <a:t>04.11.2024</a:t>
+              <a:t>11.11.2024</a:t>
             </a:fld>
             <a:endParaRPr lang="ru-RU"/>
           </a:p>
@@ -3736,7 +3739,7 @@
           <a:p>
             <a:fld id="{58BF7D01-7D49-4F37-AA30-F04C65571A4A}" type="datetimeFigureOut">
               <a:rPr lang="ru-RU" smtClean="0"/>
-              <a:t>04.11.2024</a:t>
+              <a:t>11.11.2024</a:t>
             </a:fld>
             <a:endParaRPr lang="ru-RU"/>
           </a:p>
@@ -3993,7 +3996,7 @@
           <a:p>
             <a:fld id="{58BF7D01-7D49-4F37-AA30-F04C65571A4A}" type="datetimeFigureOut">
               <a:rPr lang="ru-RU" smtClean="0"/>
-              <a:t>04.11.2024</a:t>
+              <a:t>11.11.2024</a:t>
             </a:fld>
             <a:endParaRPr lang="ru-RU"/>
           </a:p>
@@ -4206,7 +4209,7 @@
           <a:p>
             <a:fld id="{58BF7D01-7D49-4F37-AA30-F04C65571A4A}" type="datetimeFigureOut">
               <a:rPr lang="ru-RU" smtClean="0"/>
-              <a:t>04.11.2024</a:t>
+              <a:t>11.11.2024</a:t>
             </a:fld>
             <a:endParaRPr lang="ru-RU"/>
           </a:p>
@@ -6017,7 +6020,7 @@
         </p:spPr>
         <p:txBody>
           <a:bodyPr vert="horz" lIns="91440" tIns="45720" rIns="91440" bIns="45720" rtlCol="0" anchor="b">
-            <a:normAutofit fontScale="62500" lnSpcReduction="20000"/>
+            <a:normAutofit lnSpcReduction="10000"/>
           </a:bodyPr>
           <a:lstStyle>
             <a:lvl1pPr algn="ctr" defTabSz="914400" rtl="0" eaLnBrk="1" latinLnBrk="0" hangingPunct="1">
@@ -6041,29 +6044,18 @@
           <a:p>
             <a:r>
               <a:rPr lang="en-US" dirty="0"/>
-              <a:t>Calling Conventions (</a:t>
-            </a:r>
-            <a:r>
-              <a:rPr lang="ru-RU" dirty="0"/>
-              <a:t>Соглашения о вызове ф-</a:t>
-            </a:r>
-            <a:r>
-              <a:rPr lang="ru-RU" dirty="0" err="1"/>
-              <a:t>ии</a:t>
-            </a:r>
-            <a:r>
-              <a:rPr lang="ru-RU" dirty="0"/>
-              <a:t>)</a:t>
-            </a:r>
-          </a:p>
-        </p:txBody>
-      </p:sp>
-      <p:sp>
-        <p:nvSpPr>
-          <p:cNvPr id="6" name="TextBox 5">
+              <a:t>API/ABI</a:t>
+            </a:r>
+            <a:endParaRPr lang="ru-RU" dirty="0"/>
+          </a:p>
+        </p:txBody>
+      </p:sp>
+      <p:sp>
+        <p:nvSpPr>
+          <p:cNvPr id="3" name="TextBox 2">
             <a:extLst>
               <a:ext uri="{FF2B5EF4-FFF2-40B4-BE49-F238E27FC236}">
-                <a16:creationId xmlns:a16="http://schemas.microsoft.com/office/drawing/2014/main" id="{D4A3F5AA-FD23-423B-AB6C-8B48CA64BB23}"/>
+                <a16:creationId xmlns:a16="http://schemas.microsoft.com/office/drawing/2014/main" id="{4EF57E87-B8BA-472A-B855-01AE9C06C9DC}"/>
               </a:ext>
             </a:extLst>
           </p:cNvPr>
@@ -6072,8 +6064,8 @@
         </p:nvSpPr>
         <p:spPr>
           <a:xfrm>
-            <a:off x="8508831" y="2543842"/>
-            <a:ext cx="2199026" cy="3046988"/>
+            <a:off x="709405" y="1797886"/>
+            <a:ext cx="10773187" cy="3970318"/>
           </a:xfrm>
           <a:prstGeom prst="rect">
             <a:avLst/>
@@ -6086,338 +6078,111 @@
           </a:bodyPr>
           <a:lstStyle/>
           <a:p>
-            <a:pPr marL="457200" indent="-457200">
-              <a:buFont typeface="Arial" panose="020B0604020202020204" pitchFamily="34" charset="0"/>
-              <a:buChar char="•"/>
-            </a:pPr>
-            <a:r>
-              <a:rPr lang="en-US" sz="3200" dirty="0" err="1">
-                <a:latin typeface="Times New Roman" panose="02020603050405020304" pitchFamily="18" charset="0"/>
-                <a:cs typeface="Times New Roman" panose="02020603050405020304" pitchFamily="18" charset="0"/>
-              </a:rPr>
-              <a:t>cdecl</a:t>
-            </a:r>
-            <a:endParaRPr lang="en-US" sz="3200" dirty="0">
+            <a:r>
+              <a:rPr lang="en-US" sz="2800" dirty="0">
+                <a:latin typeface="Times New Roman" panose="02020603050405020304" pitchFamily="18" charset="0"/>
+                <a:cs typeface="Times New Roman" panose="02020603050405020304" pitchFamily="18" charset="0"/>
+              </a:rPr>
+              <a:t>API (Application Programming Interface) – </a:t>
+            </a:r>
+            <a:r>
+              <a:rPr lang="ru-RU" sz="2800" dirty="0">
+                <a:latin typeface="Times New Roman" panose="02020603050405020304" pitchFamily="18" charset="0"/>
+                <a:cs typeface="Times New Roman" panose="02020603050405020304" pitchFamily="18" charset="0"/>
+              </a:rPr>
+              <a:t>программный интерфейс приложения</a:t>
+            </a:r>
+            <a:r>
+              <a:rPr lang="en-US" sz="2800" dirty="0">
+                <a:latin typeface="Times New Roman" panose="02020603050405020304" pitchFamily="18" charset="0"/>
+                <a:cs typeface="Times New Roman" panose="02020603050405020304" pitchFamily="18" charset="0"/>
+              </a:rPr>
+              <a:t>, </a:t>
+            </a:r>
+            <a:r>
+              <a:rPr lang="ru-RU" sz="2800" dirty="0">
+                <a:latin typeface="Times New Roman" panose="02020603050405020304" pitchFamily="18" charset="0"/>
+                <a:cs typeface="Times New Roman" panose="02020603050405020304" pitchFamily="18" charset="0"/>
+              </a:rPr>
+              <a:t>описывает протокол взаимодействия между программами. Представляет собой набор классов</a:t>
+            </a:r>
+            <a:r>
+              <a:rPr lang="en-US" sz="2800" dirty="0">
+                <a:latin typeface="Times New Roman" panose="02020603050405020304" pitchFamily="18" charset="0"/>
+                <a:cs typeface="Times New Roman" panose="02020603050405020304" pitchFamily="18" charset="0"/>
+              </a:rPr>
+              <a:t>, </a:t>
+            </a:r>
+            <a:r>
+              <a:rPr lang="ru-RU" sz="2800" dirty="0">
+                <a:latin typeface="Times New Roman" panose="02020603050405020304" pitchFamily="18" charset="0"/>
+                <a:cs typeface="Times New Roman" panose="02020603050405020304" pitchFamily="18" charset="0"/>
+              </a:rPr>
+              <a:t>функций</a:t>
+            </a:r>
+            <a:r>
+              <a:rPr lang="en-US" sz="2800" dirty="0">
+                <a:latin typeface="Times New Roman" panose="02020603050405020304" pitchFamily="18" charset="0"/>
+                <a:cs typeface="Times New Roman" panose="02020603050405020304" pitchFamily="18" charset="0"/>
+              </a:rPr>
+              <a:t>, </a:t>
+            </a:r>
+            <a:r>
+              <a:rPr lang="ru-RU" sz="2800" dirty="0">
+                <a:latin typeface="Times New Roman" panose="02020603050405020304" pitchFamily="18" charset="0"/>
+                <a:cs typeface="Times New Roman" panose="02020603050405020304" pitchFamily="18" charset="0"/>
+              </a:rPr>
+              <a:t>структур или констант.</a:t>
+            </a:r>
+          </a:p>
+          <a:p>
+            <a:endParaRPr lang="ru-RU" sz="2800" dirty="0">
               <a:latin typeface="Times New Roman" panose="02020603050405020304" pitchFamily="18" charset="0"/>
               <a:cs typeface="Times New Roman" panose="02020603050405020304" pitchFamily="18" charset="0"/>
             </a:endParaRPr>
           </a:p>
           <a:p>
-            <a:pPr marL="457200" indent="-457200">
-              <a:buFont typeface="Arial" panose="020B0604020202020204" pitchFamily="34" charset="0"/>
-              <a:buChar char="•"/>
-            </a:pPr>
-            <a:r>
-              <a:rPr lang="en-US" sz="3200" dirty="0">
-                <a:latin typeface="Times New Roman" panose="02020603050405020304" pitchFamily="18" charset="0"/>
-                <a:cs typeface="Times New Roman" panose="02020603050405020304" pitchFamily="18" charset="0"/>
-              </a:rPr>
-              <a:t>pascal</a:t>
-            </a:r>
-          </a:p>
-          <a:p>
-            <a:pPr marL="457200" indent="-457200">
-              <a:buFont typeface="Arial" panose="020B0604020202020204" pitchFamily="34" charset="0"/>
-              <a:buChar char="•"/>
-            </a:pPr>
-            <a:r>
-              <a:rPr lang="en-US" sz="3200" dirty="0" err="1">
-                <a:latin typeface="Times New Roman" panose="02020603050405020304" pitchFamily="18" charset="0"/>
-                <a:cs typeface="Times New Roman" panose="02020603050405020304" pitchFamily="18" charset="0"/>
-              </a:rPr>
-              <a:t>stdcall</a:t>
-            </a:r>
-            <a:endParaRPr lang="en-US" sz="3200" dirty="0">
+            <a:r>
+              <a:rPr lang="en-US" sz="2800" dirty="0">
+                <a:latin typeface="Times New Roman" panose="02020603050405020304" pitchFamily="18" charset="0"/>
+                <a:cs typeface="Times New Roman" panose="02020603050405020304" pitchFamily="18" charset="0"/>
+              </a:rPr>
+              <a:t>ABI (Application Binary Interface) – </a:t>
+            </a:r>
+            <a:r>
+              <a:rPr lang="ru-RU" sz="2800" dirty="0">
+                <a:latin typeface="Times New Roman" panose="02020603050405020304" pitchFamily="18" charset="0"/>
+                <a:cs typeface="Times New Roman" panose="02020603050405020304" pitchFamily="18" charset="0"/>
+              </a:rPr>
+              <a:t>двоичный интерфейс приложения</a:t>
+            </a:r>
+            <a:r>
+              <a:rPr lang="en-US" sz="2800" dirty="0">
+                <a:latin typeface="Times New Roman" panose="02020603050405020304" pitchFamily="18" charset="0"/>
+                <a:cs typeface="Times New Roman" panose="02020603050405020304" pitchFamily="18" charset="0"/>
+              </a:rPr>
+              <a:t>, </a:t>
+            </a:r>
+            <a:r>
+              <a:rPr lang="ru-RU" sz="2800" dirty="0">
+                <a:latin typeface="Times New Roman" panose="02020603050405020304" pitchFamily="18" charset="0"/>
+                <a:cs typeface="Times New Roman" panose="02020603050405020304" pitchFamily="18" charset="0"/>
+              </a:rPr>
+              <a:t>описывает набор соглашений для доступа приложения к операционной системе и низкоуровневым сервисам.</a:t>
+            </a:r>
+          </a:p>
+          <a:p>
+            <a:endParaRPr lang="en-US" sz="2800" dirty="0">
               <a:latin typeface="Times New Roman" panose="02020603050405020304" pitchFamily="18" charset="0"/>
               <a:cs typeface="Times New Roman" panose="02020603050405020304" pitchFamily="18" charset="0"/>
             </a:endParaRPr>
           </a:p>
-          <a:p>
-            <a:pPr marL="457200" indent="-457200">
-              <a:buFont typeface="Arial" panose="020B0604020202020204" pitchFamily="34" charset="0"/>
-              <a:buChar char="•"/>
-            </a:pPr>
-            <a:r>
-              <a:rPr lang="en-US" sz="3200" dirty="0" err="1">
-                <a:latin typeface="Times New Roman" panose="02020603050405020304" pitchFamily="18" charset="0"/>
-                <a:cs typeface="Times New Roman" panose="02020603050405020304" pitchFamily="18" charset="0"/>
-              </a:rPr>
-              <a:t>fastcall</a:t>
-            </a:r>
-            <a:endParaRPr lang="en-US" sz="3200" dirty="0">
-              <a:latin typeface="Times New Roman" panose="02020603050405020304" pitchFamily="18" charset="0"/>
-              <a:cs typeface="Times New Roman" panose="02020603050405020304" pitchFamily="18" charset="0"/>
-            </a:endParaRPr>
-          </a:p>
-          <a:p>
-            <a:pPr marL="457200" indent="-457200">
-              <a:buFont typeface="Arial" panose="020B0604020202020204" pitchFamily="34" charset="0"/>
-              <a:buChar char="•"/>
-            </a:pPr>
-            <a:r>
-              <a:rPr lang="en-US" sz="3200" dirty="0" err="1">
-                <a:latin typeface="Times New Roman" panose="02020603050405020304" pitchFamily="18" charset="0"/>
-                <a:cs typeface="Times New Roman" panose="02020603050405020304" pitchFamily="18" charset="0"/>
-              </a:rPr>
-              <a:t>safecall</a:t>
-            </a:r>
-            <a:endParaRPr lang="en-US" sz="3200" dirty="0">
-              <a:latin typeface="Times New Roman" panose="02020603050405020304" pitchFamily="18" charset="0"/>
-              <a:cs typeface="Times New Roman" panose="02020603050405020304" pitchFamily="18" charset="0"/>
-            </a:endParaRPr>
-          </a:p>
-          <a:p>
-            <a:pPr marL="457200" indent="-457200">
-              <a:buFont typeface="Arial" panose="020B0604020202020204" pitchFamily="34" charset="0"/>
-              <a:buChar char="•"/>
-            </a:pPr>
-            <a:r>
-              <a:rPr lang="en-US" sz="3200" dirty="0" err="1">
-                <a:latin typeface="Times New Roman" panose="02020603050405020304" pitchFamily="18" charset="0"/>
-                <a:cs typeface="Times New Roman" panose="02020603050405020304" pitchFamily="18" charset="0"/>
-              </a:rPr>
-              <a:t>thiscall</a:t>
-            </a:r>
-            <a:endParaRPr lang="en-US" sz="3200" dirty="0">
-              <a:latin typeface="Times New Roman" panose="02020603050405020304" pitchFamily="18" charset="0"/>
-              <a:cs typeface="Times New Roman" panose="02020603050405020304" pitchFamily="18" charset="0"/>
-            </a:endParaRPr>
-          </a:p>
-        </p:txBody>
-      </p:sp>
-      <p:sp>
-        <p:nvSpPr>
-          <p:cNvPr id="4" name="TextBox 3">
-            <a:extLst>
-              <a:ext uri="{FF2B5EF4-FFF2-40B4-BE49-F238E27FC236}">
-                <a16:creationId xmlns:a16="http://schemas.microsoft.com/office/drawing/2014/main" id="{B640AC79-4A37-462A-8CA5-615AA4C61D46}"/>
-              </a:ext>
-            </a:extLst>
-          </p:cNvPr>
-          <p:cNvSpPr txBox="1"/>
-          <p:nvPr/>
-        </p:nvSpPr>
-        <p:spPr>
-          <a:xfrm>
-            <a:off x="981666" y="2050548"/>
-            <a:ext cx="7029194" cy="3170099"/>
-          </a:xfrm>
-          <a:prstGeom prst="rect">
-            <a:avLst/>
-          </a:prstGeom>
-          <a:noFill/>
-        </p:spPr>
-        <p:txBody>
-          <a:bodyPr wrap="square">
-            <a:spAutoFit/>
-          </a:bodyPr>
-          <a:lstStyle/>
-          <a:p>
-            <a:pPr marL="285750" indent="-285750">
-              <a:buFont typeface="Arial" panose="020B0604020202020204" pitchFamily="34" charset="0"/>
-              <a:buChar char="•"/>
-            </a:pPr>
-            <a:r>
-              <a:rPr lang="ru-RU" sz="2000" dirty="0">
-                <a:latin typeface="Times New Roman" panose="02020603050405020304" pitchFamily="18" charset="0"/>
-                <a:cs typeface="Times New Roman" panose="02020603050405020304" pitchFamily="18" charset="0"/>
-              </a:rPr>
-              <a:t>Способ передачи аргументов в функцию</a:t>
-            </a:r>
-          </a:p>
-          <a:p>
-            <a:pPr marL="285750" indent="-285750">
-              <a:buFont typeface="Arial" panose="020B0604020202020204" pitchFamily="34" charset="0"/>
-              <a:buChar char="•"/>
-            </a:pPr>
-            <a:r>
-              <a:rPr lang="ru-RU" sz="2000" dirty="0">
-                <a:latin typeface="Times New Roman" panose="02020603050405020304" pitchFamily="18" charset="0"/>
-                <a:cs typeface="Times New Roman" panose="02020603050405020304" pitchFamily="18" charset="0"/>
-              </a:rPr>
-              <a:t>Порядок размещения аргументов в регистрах</a:t>
-            </a:r>
-            <a:r>
-              <a:rPr lang="en-US" sz="2000" dirty="0">
-                <a:latin typeface="Times New Roman" panose="02020603050405020304" pitchFamily="18" charset="0"/>
-                <a:cs typeface="Times New Roman" panose="02020603050405020304" pitchFamily="18" charset="0"/>
-              </a:rPr>
-              <a:t> </a:t>
-            </a:r>
-            <a:r>
-              <a:rPr lang="ru-RU" sz="2000" dirty="0">
-                <a:latin typeface="Times New Roman" panose="02020603050405020304" pitchFamily="18" charset="0"/>
-                <a:cs typeface="Times New Roman" panose="02020603050405020304" pitchFamily="18" charset="0"/>
-              </a:rPr>
-              <a:t>и</a:t>
-            </a:r>
-            <a:r>
-              <a:rPr lang="en-US" sz="2000" dirty="0">
-                <a:latin typeface="Times New Roman" panose="02020603050405020304" pitchFamily="18" charset="0"/>
-                <a:cs typeface="Times New Roman" panose="02020603050405020304" pitchFamily="18" charset="0"/>
-              </a:rPr>
-              <a:t>/</a:t>
-            </a:r>
-            <a:r>
-              <a:rPr lang="ru-RU" sz="2000" dirty="0">
-                <a:latin typeface="Times New Roman" panose="02020603050405020304" pitchFamily="18" charset="0"/>
-                <a:cs typeface="Times New Roman" panose="02020603050405020304" pitchFamily="18" charset="0"/>
-              </a:rPr>
-              <a:t>или стеке</a:t>
-            </a:r>
-          </a:p>
-          <a:p>
-            <a:pPr marL="285750" indent="-285750">
-              <a:buFont typeface="Arial" panose="020B0604020202020204" pitchFamily="34" charset="0"/>
-              <a:buChar char="•"/>
-            </a:pPr>
-            <a:r>
-              <a:rPr lang="ru-RU" sz="2000" dirty="0">
-                <a:latin typeface="Times New Roman" panose="02020603050405020304" pitchFamily="18" charset="0"/>
-                <a:cs typeface="Times New Roman" panose="02020603050405020304" pitchFamily="18" charset="0"/>
-              </a:rPr>
-              <a:t>Код</a:t>
-            </a:r>
-            <a:r>
-              <a:rPr lang="en-US" sz="2000" dirty="0">
-                <a:latin typeface="Times New Roman" panose="02020603050405020304" pitchFamily="18" charset="0"/>
-                <a:cs typeface="Times New Roman" panose="02020603050405020304" pitchFamily="18" charset="0"/>
-              </a:rPr>
-              <a:t>, </a:t>
-            </a:r>
-            <a:r>
-              <a:rPr lang="ru-RU" sz="2000" dirty="0">
-                <a:latin typeface="Times New Roman" panose="02020603050405020304" pitchFamily="18" charset="0"/>
-                <a:cs typeface="Times New Roman" panose="02020603050405020304" pitchFamily="18" charset="0"/>
-              </a:rPr>
-              <a:t>ответственный за очистку стека</a:t>
-            </a:r>
-          </a:p>
-          <a:p>
-            <a:pPr marL="285750" indent="-285750">
-              <a:buFont typeface="Arial" panose="020B0604020202020204" pitchFamily="34" charset="0"/>
-              <a:buChar char="•"/>
-            </a:pPr>
-            <a:r>
-              <a:rPr lang="ru-RU" sz="2000" dirty="0">
-                <a:latin typeface="Times New Roman" panose="02020603050405020304" pitchFamily="18" charset="0"/>
-                <a:cs typeface="Times New Roman" panose="02020603050405020304" pitchFamily="18" charset="0"/>
-              </a:rPr>
-              <a:t>Конкретные инструкции</a:t>
-            </a:r>
-            <a:r>
-              <a:rPr lang="en-US" sz="2000" dirty="0">
-                <a:latin typeface="Times New Roman" panose="02020603050405020304" pitchFamily="18" charset="0"/>
-                <a:cs typeface="Times New Roman" panose="02020603050405020304" pitchFamily="18" charset="0"/>
-              </a:rPr>
-              <a:t>, </a:t>
-            </a:r>
-            <a:r>
-              <a:rPr lang="ru-RU" sz="2000" dirty="0">
-                <a:latin typeface="Times New Roman" panose="02020603050405020304" pitchFamily="18" charset="0"/>
-                <a:cs typeface="Times New Roman" panose="02020603050405020304" pitchFamily="18" charset="0"/>
-              </a:rPr>
-              <a:t>используемые для вызова и возврата</a:t>
-            </a:r>
-          </a:p>
-          <a:p>
-            <a:pPr marL="285750" indent="-285750">
-              <a:buFont typeface="Arial" panose="020B0604020202020204" pitchFamily="34" charset="0"/>
-              <a:buChar char="•"/>
-            </a:pPr>
-            <a:r>
-              <a:rPr lang="ru-RU" sz="2000" dirty="0">
-                <a:latin typeface="Times New Roman" panose="02020603050405020304" pitchFamily="18" charset="0"/>
-                <a:cs typeface="Times New Roman" panose="02020603050405020304" pitchFamily="18" charset="0"/>
-              </a:rPr>
-              <a:t>Код</a:t>
-            </a:r>
-            <a:r>
-              <a:rPr lang="en-US" sz="2000" dirty="0">
-                <a:latin typeface="Times New Roman" panose="02020603050405020304" pitchFamily="18" charset="0"/>
-                <a:cs typeface="Times New Roman" panose="02020603050405020304" pitchFamily="18" charset="0"/>
-              </a:rPr>
-              <a:t>, </a:t>
-            </a:r>
-            <a:r>
-              <a:rPr lang="ru-RU" sz="2000" dirty="0">
-                <a:latin typeface="Times New Roman" panose="02020603050405020304" pitchFamily="18" charset="0"/>
-                <a:cs typeface="Times New Roman" panose="02020603050405020304" pitchFamily="18" charset="0"/>
-              </a:rPr>
-              <a:t>ответственный за сохранение и восстановление содержимого регистров до и после вызова функций</a:t>
-            </a:r>
-          </a:p>
-          <a:p>
-            <a:pPr marL="285750" indent="-285750">
-              <a:buFont typeface="Arial" panose="020B0604020202020204" pitchFamily="34" charset="0"/>
-              <a:buChar char="•"/>
-            </a:pPr>
-            <a:r>
-              <a:rPr lang="ru-RU" sz="2000" dirty="0">
-                <a:latin typeface="Times New Roman" panose="02020603050405020304" pitchFamily="18" charset="0"/>
-                <a:cs typeface="Times New Roman" panose="02020603050405020304" pitchFamily="18" charset="0"/>
-              </a:rPr>
-              <a:t>Список регистров</a:t>
-            </a:r>
-            <a:r>
-              <a:rPr lang="en-US" sz="2000" dirty="0">
-                <a:latin typeface="Times New Roman" panose="02020603050405020304" pitchFamily="18" charset="0"/>
-                <a:cs typeface="Times New Roman" panose="02020603050405020304" pitchFamily="18" charset="0"/>
-              </a:rPr>
-              <a:t>, </a:t>
-            </a:r>
-            <a:r>
-              <a:rPr lang="ru-RU" sz="2000" dirty="0">
-                <a:latin typeface="Times New Roman" panose="02020603050405020304" pitchFamily="18" charset="0"/>
-                <a:cs typeface="Times New Roman" panose="02020603050405020304" pitchFamily="18" charset="0"/>
-              </a:rPr>
-              <a:t>подлежащих сохранению</a:t>
-            </a:r>
-            <a:r>
-              <a:rPr lang="en-US" sz="2000" dirty="0">
-                <a:latin typeface="Times New Roman" panose="02020603050405020304" pitchFamily="18" charset="0"/>
-                <a:cs typeface="Times New Roman" panose="02020603050405020304" pitchFamily="18" charset="0"/>
-              </a:rPr>
-              <a:t>/</a:t>
-            </a:r>
-            <a:r>
-              <a:rPr lang="ru-RU" sz="2000" dirty="0">
-                <a:latin typeface="Times New Roman" panose="02020603050405020304" pitchFamily="18" charset="0"/>
-                <a:cs typeface="Times New Roman" panose="02020603050405020304" pitchFamily="18" charset="0"/>
-              </a:rPr>
-              <a:t>восстановлению до</a:t>
-            </a:r>
-            <a:r>
-              <a:rPr lang="en-US" sz="2000" dirty="0">
-                <a:latin typeface="Times New Roman" panose="02020603050405020304" pitchFamily="18" charset="0"/>
-                <a:cs typeface="Times New Roman" panose="02020603050405020304" pitchFamily="18" charset="0"/>
-              </a:rPr>
-              <a:t>/</a:t>
-            </a:r>
-            <a:r>
-              <a:rPr lang="ru-RU" sz="2000" dirty="0">
-                <a:latin typeface="Times New Roman" panose="02020603050405020304" pitchFamily="18" charset="0"/>
-                <a:cs typeface="Times New Roman" panose="02020603050405020304" pitchFamily="18" charset="0"/>
-              </a:rPr>
-              <a:t>после вызова функции</a:t>
-            </a:r>
-          </a:p>
-          <a:p>
-            <a:pPr marL="285750" indent="-285750">
-              <a:buFont typeface="Arial" panose="020B0604020202020204" pitchFamily="34" charset="0"/>
-              <a:buChar char="•"/>
-            </a:pPr>
-            <a:endParaRPr lang="en-US" sz="2000" dirty="0">
-              <a:latin typeface="Times New Roman" panose="02020603050405020304" pitchFamily="18" charset="0"/>
-              <a:cs typeface="Times New Roman" panose="02020603050405020304" pitchFamily="18" charset="0"/>
-            </a:endParaRPr>
-          </a:p>
         </p:txBody>
       </p:sp>
     </p:spTree>
     <p:extLst>
       <p:ext uri="{BB962C8B-B14F-4D97-AF65-F5344CB8AC3E}">
-        <p14:creationId xmlns:p14="http://schemas.microsoft.com/office/powerpoint/2010/main" val="2938549989"/>
+        <p14:creationId xmlns:p14="http://schemas.microsoft.com/office/powerpoint/2010/main" val="949536973"/>
       </p:ext>
     </p:extLst>
   </p:cSld>
@@ -6469,7 +6234,7 @@
         </p:spPr>
         <p:txBody>
           <a:bodyPr vert="horz" lIns="91440" tIns="45720" rIns="91440" bIns="45720" rtlCol="0" anchor="b">
-            <a:normAutofit lnSpcReduction="10000"/>
+            <a:normAutofit fontScale="62500" lnSpcReduction="20000"/>
           </a:bodyPr>
           <a:lstStyle>
             <a:lvl1pPr algn="ctr" defTabSz="914400" rtl="0" eaLnBrk="1" latinLnBrk="0" hangingPunct="1">
@@ -6493,18 +6258,29 @@
           <a:p>
             <a:r>
               <a:rPr lang="en-US" dirty="0"/>
-              <a:t>API/ABI</a:t>
-            </a:r>
-            <a:endParaRPr lang="ru-RU" dirty="0"/>
-          </a:p>
-        </p:txBody>
-      </p:sp>
-      <p:sp>
-        <p:nvSpPr>
-          <p:cNvPr id="3" name="TextBox 2">
+              <a:t>Calling Conventions (</a:t>
+            </a:r>
+            <a:r>
+              <a:rPr lang="ru-RU" dirty="0"/>
+              <a:t>Соглашения о вызове ф-</a:t>
+            </a:r>
+            <a:r>
+              <a:rPr lang="ru-RU" dirty="0" err="1"/>
+              <a:t>ии</a:t>
+            </a:r>
+            <a:r>
+              <a:rPr lang="ru-RU" dirty="0"/>
+              <a:t>)</a:t>
+            </a:r>
+          </a:p>
+        </p:txBody>
+      </p:sp>
+      <p:sp>
+        <p:nvSpPr>
+          <p:cNvPr id="6" name="TextBox 5">
             <a:extLst>
               <a:ext uri="{FF2B5EF4-FFF2-40B4-BE49-F238E27FC236}">
-                <a16:creationId xmlns:a16="http://schemas.microsoft.com/office/drawing/2014/main" id="{4EF57E87-B8BA-472A-B855-01AE9C06C9DC}"/>
+                <a16:creationId xmlns:a16="http://schemas.microsoft.com/office/drawing/2014/main" id="{D4A3F5AA-FD23-423B-AB6C-8B48CA64BB23}"/>
               </a:ext>
             </a:extLst>
           </p:cNvPr>
@@ -6513,8 +6289,8 @@
         </p:nvSpPr>
         <p:spPr>
           <a:xfrm>
-            <a:off x="709405" y="1797886"/>
-            <a:ext cx="10773187" cy="3970318"/>
+            <a:off x="8508831" y="2543842"/>
+            <a:ext cx="2199026" cy="3046988"/>
           </a:xfrm>
           <a:prstGeom prst="rect">
             <a:avLst/>
@@ -6527,111 +6303,338 @@
           </a:bodyPr>
           <a:lstStyle/>
           <a:p>
-            <a:r>
-              <a:rPr lang="en-US" sz="2800" dirty="0">
-                <a:latin typeface="Times New Roman" panose="02020603050405020304" pitchFamily="18" charset="0"/>
-                <a:cs typeface="Times New Roman" panose="02020603050405020304" pitchFamily="18" charset="0"/>
-              </a:rPr>
-              <a:t>API (Application Programming Interface) – </a:t>
-            </a:r>
-            <a:r>
-              <a:rPr lang="ru-RU" sz="2800" dirty="0">
-                <a:latin typeface="Times New Roman" panose="02020603050405020304" pitchFamily="18" charset="0"/>
-                <a:cs typeface="Times New Roman" panose="02020603050405020304" pitchFamily="18" charset="0"/>
-              </a:rPr>
-              <a:t>программный интерфейс приложения</a:t>
-            </a:r>
-            <a:r>
-              <a:rPr lang="en-US" sz="2800" dirty="0">
-                <a:latin typeface="Times New Roman" panose="02020603050405020304" pitchFamily="18" charset="0"/>
-                <a:cs typeface="Times New Roman" panose="02020603050405020304" pitchFamily="18" charset="0"/>
-              </a:rPr>
-              <a:t>, </a:t>
-            </a:r>
-            <a:r>
-              <a:rPr lang="ru-RU" sz="2800" dirty="0">
-                <a:latin typeface="Times New Roman" panose="02020603050405020304" pitchFamily="18" charset="0"/>
-                <a:cs typeface="Times New Roman" panose="02020603050405020304" pitchFamily="18" charset="0"/>
-              </a:rPr>
-              <a:t>описывает протокол взаимодействия между программами. Представляет собой набор классов</a:t>
-            </a:r>
-            <a:r>
-              <a:rPr lang="en-US" sz="2800" dirty="0">
-                <a:latin typeface="Times New Roman" panose="02020603050405020304" pitchFamily="18" charset="0"/>
-                <a:cs typeface="Times New Roman" panose="02020603050405020304" pitchFamily="18" charset="0"/>
-              </a:rPr>
-              <a:t>, </a:t>
-            </a:r>
-            <a:r>
-              <a:rPr lang="ru-RU" sz="2800" dirty="0">
-                <a:latin typeface="Times New Roman" panose="02020603050405020304" pitchFamily="18" charset="0"/>
-                <a:cs typeface="Times New Roman" panose="02020603050405020304" pitchFamily="18" charset="0"/>
-              </a:rPr>
-              <a:t>функций</a:t>
-            </a:r>
-            <a:r>
-              <a:rPr lang="en-US" sz="2800" dirty="0">
-                <a:latin typeface="Times New Roman" panose="02020603050405020304" pitchFamily="18" charset="0"/>
-                <a:cs typeface="Times New Roman" panose="02020603050405020304" pitchFamily="18" charset="0"/>
-              </a:rPr>
-              <a:t>, </a:t>
-            </a:r>
-            <a:r>
-              <a:rPr lang="ru-RU" sz="2800" dirty="0">
-                <a:latin typeface="Times New Roman" panose="02020603050405020304" pitchFamily="18" charset="0"/>
-                <a:cs typeface="Times New Roman" panose="02020603050405020304" pitchFamily="18" charset="0"/>
-              </a:rPr>
-              <a:t>структур или констант.</a:t>
-            </a:r>
-          </a:p>
-          <a:p>
-            <a:endParaRPr lang="ru-RU" sz="2800" dirty="0">
+            <a:pPr marL="457200" indent="-457200">
+              <a:buFont typeface="Arial" panose="020B0604020202020204" pitchFamily="34" charset="0"/>
+              <a:buChar char="•"/>
+            </a:pPr>
+            <a:r>
+              <a:rPr lang="en-US" sz="3200" dirty="0" err="1">
+                <a:latin typeface="Times New Roman" panose="02020603050405020304" pitchFamily="18" charset="0"/>
+                <a:cs typeface="Times New Roman" panose="02020603050405020304" pitchFamily="18" charset="0"/>
+              </a:rPr>
+              <a:t>cdecl</a:t>
+            </a:r>
+            <a:endParaRPr lang="en-US" sz="3200" dirty="0">
               <a:latin typeface="Times New Roman" panose="02020603050405020304" pitchFamily="18" charset="0"/>
               <a:cs typeface="Times New Roman" panose="02020603050405020304" pitchFamily="18" charset="0"/>
             </a:endParaRPr>
           </a:p>
           <a:p>
-            <a:r>
-              <a:rPr lang="en-US" sz="2800" dirty="0">
-                <a:latin typeface="Times New Roman" panose="02020603050405020304" pitchFamily="18" charset="0"/>
-                <a:cs typeface="Times New Roman" panose="02020603050405020304" pitchFamily="18" charset="0"/>
-              </a:rPr>
-              <a:t>ABI (Application Binary Interface) – </a:t>
-            </a:r>
-            <a:r>
-              <a:rPr lang="ru-RU" sz="2800" dirty="0">
-                <a:latin typeface="Times New Roman" panose="02020603050405020304" pitchFamily="18" charset="0"/>
-                <a:cs typeface="Times New Roman" panose="02020603050405020304" pitchFamily="18" charset="0"/>
-              </a:rPr>
-              <a:t>двоичный интерфейс приложения</a:t>
-            </a:r>
-            <a:r>
-              <a:rPr lang="en-US" sz="2800" dirty="0">
-                <a:latin typeface="Times New Roman" panose="02020603050405020304" pitchFamily="18" charset="0"/>
-                <a:cs typeface="Times New Roman" panose="02020603050405020304" pitchFamily="18" charset="0"/>
-              </a:rPr>
-              <a:t>, </a:t>
-            </a:r>
-            <a:r>
-              <a:rPr lang="ru-RU" sz="2800" dirty="0">
-                <a:latin typeface="Times New Roman" panose="02020603050405020304" pitchFamily="18" charset="0"/>
-                <a:cs typeface="Times New Roman" panose="02020603050405020304" pitchFamily="18" charset="0"/>
-              </a:rPr>
-              <a:t>описывает набор соглашений для доступа приложения к операционной системе и низкоуровневым сервисам.</a:t>
-            </a:r>
-          </a:p>
-          <a:p>
-            <a:endParaRPr lang="en-US" sz="2800" dirty="0">
+            <a:pPr marL="457200" indent="-457200">
+              <a:buFont typeface="Arial" panose="020B0604020202020204" pitchFamily="34" charset="0"/>
+              <a:buChar char="•"/>
+            </a:pPr>
+            <a:r>
+              <a:rPr lang="en-US" sz="3200" dirty="0">
+                <a:latin typeface="Times New Roman" panose="02020603050405020304" pitchFamily="18" charset="0"/>
+                <a:cs typeface="Times New Roman" panose="02020603050405020304" pitchFamily="18" charset="0"/>
+              </a:rPr>
+              <a:t>pascal</a:t>
+            </a:r>
+          </a:p>
+          <a:p>
+            <a:pPr marL="457200" indent="-457200">
+              <a:buFont typeface="Arial" panose="020B0604020202020204" pitchFamily="34" charset="0"/>
+              <a:buChar char="•"/>
+            </a:pPr>
+            <a:r>
+              <a:rPr lang="en-US" sz="3200" dirty="0" err="1">
+                <a:latin typeface="Times New Roman" panose="02020603050405020304" pitchFamily="18" charset="0"/>
+                <a:cs typeface="Times New Roman" panose="02020603050405020304" pitchFamily="18" charset="0"/>
+              </a:rPr>
+              <a:t>stdcall</a:t>
+            </a:r>
+            <a:endParaRPr lang="en-US" sz="3200" dirty="0">
               <a:latin typeface="Times New Roman" panose="02020603050405020304" pitchFamily="18" charset="0"/>
               <a:cs typeface="Times New Roman" panose="02020603050405020304" pitchFamily="18" charset="0"/>
             </a:endParaRPr>
           </a:p>
+          <a:p>
+            <a:pPr marL="457200" indent="-457200">
+              <a:buFont typeface="Arial" panose="020B0604020202020204" pitchFamily="34" charset="0"/>
+              <a:buChar char="•"/>
+            </a:pPr>
+            <a:r>
+              <a:rPr lang="en-US" sz="3200" dirty="0" err="1">
+                <a:latin typeface="Times New Roman" panose="02020603050405020304" pitchFamily="18" charset="0"/>
+                <a:cs typeface="Times New Roman" panose="02020603050405020304" pitchFamily="18" charset="0"/>
+              </a:rPr>
+              <a:t>fastcall</a:t>
+            </a:r>
+            <a:endParaRPr lang="en-US" sz="3200" dirty="0">
+              <a:latin typeface="Times New Roman" panose="02020603050405020304" pitchFamily="18" charset="0"/>
+              <a:cs typeface="Times New Roman" panose="02020603050405020304" pitchFamily="18" charset="0"/>
+            </a:endParaRPr>
+          </a:p>
+          <a:p>
+            <a:pPr marL="457200" indent="-457200">
+              <a:buFont typeface="Arial" panose="020B0604020202020204" pitchFamily="34" charset="0"/>
+              <a:buChar char="•"/>
+            </a:pPr>
+            <a:r>
+              <a:rPr lang="en-US" sz="3200" dirty="0" err="1">
+                <a:latin typeface="Times New Roman" panose="02020603050405020304" pitchFamily="18" charset="0"/>
+                <a:cs typeface="Times New Roman" panose="02020603050405020304" pitchFamily="18" charset="0"/>
+              </a:rPr>
+              <a:t>safecall</a:t>
+            </a:r>
+            <a:endParaRPr lang="en-US" sz="3200" dirty="0">
+              <a:latin typeface="Times New Roman" panose="02020603050405020304" pitchFamily="18" charset="0"/>
+              <a:cs typeface="Times New Roman" panose="02020603050405020304" pitchFamily="18" charset="0"/>
+            </a:endParaRPr>
+          </a:p>
+          <a:p>
+            <a:pPr marL="457200" indent="-457200">
+              <a:buFont typeface="Arial" panose="020B0604020202020204" pitchFamily="34" charset="0"/>
+              <a:buChar char="•"/>
+            </a:pPr>
+            <a:r>
+              <a:rPr lang="en-US" sz="3200" dirty="0" err="1">
+                <a:latin typeface="Times New Roman" panose="02020603050405020304" pitchFamily="18" charset="0"/>
+                <a:cs typeface="Times New Roman" panose="02020603050405020304" pitchFamily="18" charset="0"/>
+              </a:rPr>
+              <a:t>thiscall</a:t>
+            </a:r>
+            <a:endParaRPr lang="en-US" sz="3200" dirty="0">
+              <a:latin typeface="Times New Roman" panose="02020603050405020304" pitchFamily="18" charset="0"/>
+              <a:cs typeface="Times New Roman" panose="02020603050405020304" pitchFamily="18" charset="0"/>
+            </a:endParaRPr>
+          </a:p>
+        </p:txBody>
+      </p:sp>
+      <p:sp>
+        <p:nvSpPr>
+          <p:cNvPr id="4" name="TextBox 3">
+            <a:extLst>
+              <a:ext uri="{FF2B5EF4-FFF2-40B4-BE49-F238E27FC236}">
+                <a16:creationId xmlns:a16="http://schemas.microsoft.com/office/drawing/2014/main" id="{B640AC79-4A37-462A-8CA5-615AA4C61D46}"/>
+              </a:ext>
+            </a:extLst>
+          </p:cNvPr>
+          <p:cNvSpPr txBox="1"/>
+          <p:nvPr/>
+        </p:nvSpPr>
+        <p:spPr>
+          <a:xfrm>
+            <a:off x="981666" y="2050548"/>
+            <a:ext cx="7029194" cy="3170099"/>
+          </a:xfrm>
+          <a:prstGeom prst="rect">
+            <a:avLst/>
+          </a:prstGeom>
+          <a:noFill/>
+        </p:spPr>
+        <p:txBody>
+          <a:bodyPr wrap="square">
+            <a:spAutoFit/>
+          </a:bodyPr>
+          <a:lstStyle/>
+          <a:p>
+            <a:pPr marL="285750" indent="-285750">
+              <a:buFont typeface="Arial" panose="020B0604020202020204" pitchFamily="34" charset="0"/>
+              <a:buChar char="•"/>
+            </a:pPr>
+            <a:r>
+              <a:rPr lang="ru-RU" sz="2000" dirty="0">
+                <a:latin typeface="Times New Roman" panose="02020603050405020304" pitchFamily="18" charset="0"/>
+                <a:cs typeface="Times New Roman" panose="02020603050405020304" pitchFamily="18" charset="0"/>
+              </a:rPr>
+              <a:t>Способ передачи аргументов в функцию</a:t>
+            </a:r>
+          </a:p>
+          <a:p>
+            <a:pPr marL="285750" indent="-285750">
+              <a:buFont typeface="Arial" panose="020B0604020202020204" pitchFamily="34" charset="0"/>
+              <a:buChar char="•"/>
+            </a:pPr>
+            <a:r>
+              <a:rPr lang="ru-RU" sz="2000" dirty="0">
+                <a:latin typeface="Times New Roman" panose="02020603050405020304" pitchFamily="18" charset="0"/>
+                <a:cs typeface="Times New Roman" panose="02020603050405020304" pitchFamily="18" charset="0"/>
+              </a:rPr>
+              <a:t>Порядок размещения аргументов в регистрах</a:t>
+            </a:r>
+            <a:r>
+              <a:rPr lang="en-US" sz="2000" dirty="0">
+                <a:latin typeface="Times New Roman" panose="02020603050405020304" pitchFamily="18" charset="0"/>
+                <a:cs typeface="Times New Roman" panose="02020603050405020304" pitchFamily="18" charset="0"/>
+              </a:rPr>
+              <a:t> </a:t>
+            </a:r>
+            <a:r>
+              <a:rPr lang="ru-RU" sz="2000" dirty="0">
+                <a:latin typeface="Times New Roman" panose="02020603050405020304" pitchFamily="18" charset="0"/>
+                <a:cs typeface="Times New Roman" panose="02020603050405020304" pitchFamily="18" charset="0"/>
+              </a:rPr>
+              <a:t>и</a:t>
+            </a:r>
+            <a:r>
+              <a:rPr lang="en-US" sz="2000" dirty="0">
+                <a:latin typeface="Times New Roman" panose="02020603050405020304" pitchFamily="18" charset="0"/>
+                <a:cs typeface="Times New Roman" panose="02020603050405020304" pitchFamily="18" charset="0"/>
+              </a:rPr>
+              <a:t>/</a:t>
+            </a:r>
+            <a:r>
+              <a:rPr lang="ru-RU" sz="2000" dirty="0">
+                <a:latin typeface="Times New Roman" panose="02020603050405020304" pitchFamily="18" charset="0"/>
+                <a:cs typeface="Times New Roman" panose="02020603050405020304" pitchFamily="18" charset="0"/>
+              </a:rPr>
+              <a:t>или стеке</a:t>
+            </a:r>
+          </a:p>
+          <a:p>
+            <a:pPr marL="285750" indent="-285750">
+              <a:buFont typeface="Arial" panose="020B0604020202020204" pitchFamily="34" charset="0"/>
+              <a:buChar char="•"/>
+            </a:pPr>
+            <a:r>
+              <a:rPr lang="ru-RU" sz="2000" dirty="0">
+                <a:latin typeface="Times New Roman" panose="02020603050405020304" pitchFamily="18" charset="0"/>
+                <a:cs typeface="Times New Roman" panose="02020603050405020304" pitchFamily="18" charset="0"/>
+              </a:rPr>
+              <a:t>Код</a:t>
+            </a:r>
+            <a:r>
+              <a:rPr lang="en-US" sz="2000" dirty="0">
+                <a:latin typeface="Times New Roman" panose="02020603050405020304" pitchFamily="18" charset="0"/>
+                <a:cs typeface="Times New Roman" panose="02020603050405020304" pitchFamily="18" charset="0"/>
+              </a:rPr>
+              <a:t>, </a:t>
+            </a:r>
+            <a:r>
+              <a:rPr lang="ru-RU" sz="2000" dirty="0">
+                <a:latin typeface="Times New Roman" panose="02020603050405020304" pitchFamily="18" charset="0"/>
+                <a:cs typeface="Times New Roman" panose="02020603050405020304" pitchFamily="18" charset="0"/>
+              </a:rPr>
+              <a:t>ответственный за очистку стека</a:t>
+            </a:r>
+          </a:p>
+          <a:p>
+            <a:pPr marL="285750" indent="-285750">
+              <a:buFont typeface="Arial" panose="020B0604020202020204" pitchFamily="34" charset="0"/>
+              <a:buChar char="•"/>
+            </a:pPr>
+            <a:r>
+              <a:rPr lang="ru-RU" sz="2000" dirty="0">
+                <a:latin typeface="Times New Roman" panose="02020603050405020304" pitchFamily="18" charset="0"/>
+                <a:cs typeface="Times New Roman" panose="02020603050405020304" pitchFamily="18" charset="0"/>
+              </a:rPr>
+              <a:t>Конкретные инструкции</a:t>
+            </a:r>
+            <a:r>
+              <a:rPr lang="en-US" sz="2000" dirty="0">
+                <a:latin typeface="Times New Roman" panose="02020603050405020304" pitchFamily="18" charset="0"/>
+                <a:cs typeface="Times New Roman" panose="02020603050405020304" pitchFamily="18" charset="0"/>
+              </a:rPr>
+              <a:t>, </a:t>
+            </a:r>
+            <a:r>
+              <a:rPr lang="ru-RU" sz="2000" dirty="0">
+                <a:latin typeface="Times New Roman" panose="02020603050405020304" pitchFamily="18" charset="0"/>
+                <a:cs typeface="Times New Roman" panose="02020603050405020304" pitchFamily="18" charset="0"/>
+              </a:rPr>
+              <a:t>используемые для вызова и возврата</a:t>
+            </a:r>
+          </a:p>
+          <a:p>
+            <a:pPr marL="285750" indent="-285750">
+              <a:buFont typeface="Arial" panose="020B0604020202020204" pitchFamily="34" charset="0"/>
+              <a:buChar char="•"/>
+            </a:pPr>
+            <a:r>
+              <a:rPr lang="ru-RU" sz="2000" dirty="0">
+                <a:latin typeface="Times New Roman" panose="02020603050405020304" pitchFamily="18" charset="0"/>
+                <a:cs typeface="Times New Roman" panose="02020603050405020304" pitchFamily="18" charset="0"/>
+              </a:rPr>
+              <a:t>Код</a:t>
+            </a:r>
+            <a:r>
+              <a:rPr lang="en-US" sz="2000" dirty="0">
+                <a:latin typeface="Times New Roman" panose="02020603050405020304" pitchFamily="18" charset="0"/>
+                <a:cs typeface="Times New Roman" panose="02020603050405020304" pitchFamily="18" charset="0"/>
+              </a:rPr>
+              <a:t>, </a:t>
+            </a:r>
+            <a:r>
+              <a:rPr lang="ru-RU" sz="2000" dirty="0">
+                <a:latin typeface="Times New Roman" panose="02020603050405020304" pitchFamily="18" charset="0"/>
+                <a:cs typeface="Times New Roman" panose="02020603050405020304" pitchFamily="18" charset="0"/>
+              </a:rPr>
+              <a:t>ответственный за сохранение и восстановление содержимого регистров до и после вызова функций</a:t>
+            </a:r>
+          </a:p>
+          <a:p>
+            <a:pPr marL="285750" indent="-285750">
+              <a:buFont typeface="Arial" panose="020B0604020202020204" pitchFamily="34" charset="0"/>
+              <a:buChar char="•"/>
+            </a:pPr>
+            <a:r>
+              <a:rPr lang="ru-RU" sz="2000" dirty="0">
+                <a:latin typeface="Times New Roman" panose="02020603050405020304" pitchFamily="18" charset="0"/>
+                <a:cs typeface="Times New Roman" panose="02020603050405020304" pitchFamily="18" charset="0"/>
+              </a:rPr>
+              <a:t>Список регистров</a:t>
+            </a:r>
+            <a:r>
+              <a:rPr lang="en-US" sz="2000" dirty="0">
+                <a:latin typeface="Times New Roman" panose="02020603050405020304" pitchFamily="18" charset="0"/>
+                <a:cs typeface="Times New Roman" panose="02020603050405020304" pitchFamily="18" charset="0"/>
+              </a:rPr>
+              <a:t>, </a:t>
+            </a:r>
+            <a:r>
+              <a:rPr lang="ru-RU" sz="2000" dirty="0">
+                <a:latin typeface="Times New Roman" panose="02020603050405020304" pitchFamily="18" charset="0"/>
+                <a:cs typeface="Times New Roman" panose="02020603050405020304" pitchFamily="18" charset="0"/>
+              </a:rPr>
+              <a:t>подлежащих сохранению</a:t>
+            </a:r>
+            <a:r>
+              <a:rPr lang="en-US" sz="2000" dirty="0">
+                <a:latin typeface="Times New Roman" panose="02020603050405020304" pitchFamily="18" charset="0"/>
+                <a:cs typeface="Times New Roman" panose="02020603050405020304" pitchFamily="18" charset="0"/>
+              </a:rPr>
+              <a:t>/</a:t>
+            </a:r>
+            <a:r>
+              <a:rPr lang="ru-RU" sz="2000" dirty="0">
+                <a:latin typeface="Times New Roman" panose="02020603050405020304" pitchFamily="18" charset="0"/>
+                <a:cs typeface="Times New Roman" panose="02020603050405020304" pitchFamily="18" charset="0"/>
+              </a:rPr>
+              <a:t>восстановлению до</a:t>
+            </a:r>
+            <a:r>
+              <a:rPr lang="en-US" sz="2000" dirty="0">
+                <a:latin typeface="Times New Roman" panose="02020603050405020304" pitchFamily="18" charset="0"/>
+                <a:cs typeface="Times New Roman" panose="02020603050405020304" pitchFamily="18" charset="0"/>
+              </a:rPr>
+              <a:t>/</a:t>
+            </a:r>
+            <a:r>
+              <a:rPr lang="ru-RU" sz="2000" dirty="0">
+                <a:latin typeface="Times New Roman" panose="02020603050405020304" pitchFamily="18" charset="0"/>
+                <a:cs typeface="Times New Roman" panose="02020603050405020304" pitchFamily="18" charset="0"/>
+              </a:rPr>
+              <a:t>после вызова функции</a:t>
+            </a:r>
+          </a:p>
+          <a:p>
+            <a:pPr marL="285750" indent="-285750">
+              <a:buFont typeface="Arial" panose="020B0604020202020204" pitchFamily="34" charset="0"/>
+              <a:buChar char="•"/>
+            </a:pPr>
+            <a:endParaRPr lang="en-US" sz="2000" dirty="0">
+              <a:latin typeface="Times New Roman" panose="02020603050405020304" pitchFamily="18" charset="0"/>
+              <a:cs typeface="Times New Roman" panose="02020603050405020304" pitchFamily="18" charset="0"/>
+            </a:endParaRPr>
+          </a:p>
         </p:txBody>
       </p:sp>
     </p:spTree>
     <p:extLst>
       <p:ext uri="{BB962C8B-B14F-4D97-AF65-F5344CB8AC3E}">
-        <p14:creationId xmlns:p14="http://schemas.microsoft.com/office/powerpoint/2010/main" val="949536973"/>
+        <p14:creationId xmlns:p14="http://schemas.microsoft.com/office/powerpoint/2010/main" val="2938549989"/>
       </p:ext>
     </p:extLst>
   </p:cSld>
